--- a/Image/overal_archi.pptx
+++ b/Image/overal_archi.pptx
@@ -104,6 +104,11 @@
       </a:defRPr>
     </a:lvl9pPr>
   </p:defaultTextStyle>
+  <p:extLst>
+    <p:ext uri="{EFAFB233-063F-42B5-8137-9DF3F51BA10A}">
+      <p15:sldGuideLst xmlns:p15="http://schemas.microsoft.com/office/powerpoint/2012/main"/>
+    </p:ext>
+  </p:extLst>
 </p:presentation>
 </file>
 
@@ -254,7 +259,7 @@
           <a:p>
             <a:fld id="{FF429A6C-D193-433F-8694-BE30544A7076}" type="datetimeFigureOut">
               <a:rPr lang="fr-FR" smtClean="0"/>
-              <a:t>07/08/2020</a:t>
+              <a:t>10/08/2020</a:t>
             </a:fld>
             <a:endParaRPr lang="fr-FR"/>
           </a:p>
@@ -452,7 +457,7 @@
           <a:p>
             <a:fld id="{FF429A6C-D193-433F-8694-BE30544A7076}" type="datetimeFigureOut">
               <a:rPr lang="fr-FR" smtClean="0"/>
-              <a:t>07/08/2020</a:t>
+              <a:t>10/08/2020</a:t>
             </a:fld>
             <a:endParaRPr lang="fr-FR"/>
           </a:p>
@@ -660,7 +665,7 @@
           <a:p>
             <a:fld id="{FF429A6C-D193-433F-8694-BE30544A7076}" type="datetimeFigureOut">
               <a:rPr lang="fr-FR" smtClean="0"/>
-              <a:t>07/08/2020</a:t>
+              <a:t>10/08/2020</a:t>
             </a:fld>
             <a:endParaRPr lang="fr-FR"/>
           </a:p>
@@ -858,7 +863,7 @@
           <a:p>
             <a:fld id="{FF429A6C-D193-433F-8694-BE30544A7076}" type="datetimeFigureOut">
               <a:rPr lang="fr-FR" smtClean="0"/>
-              <a:t>07/08/2020</a:t>
+              <a:t>10/08/2020</a:t>
             </a:fld>
             <a:endParaRPr lang="fr-FR"/>
           </a:p>
@@ -1133,7 +1138,7 @@
           <a:p>
             <a:fld id="{FF429A6C-D193-433F-8694-BE30544A7076}" type="datetimeFigureOut">
               <a:rPr lang="fr-FR" smtClean="0"/>
-              <a:t>07/08/2020</a:t>
+              <a:t>10/08/2020</a:t>
             </a:fld>
             <a:endParaRPr lang="fr-FR"/>
           </a:p>
@@ -1398,7 +1403,7 @@
           <a:p>
             <a:fld id="{FF429A6C-D193-433F-8694-BE30544A7076}" type="datetimeFigureOut">
               <a:rPr lang="fr-FR" smtClean="0"/>
-              <a:t>07/08/2020</a:t>
+              <a:t>10/08/2020</a:t>
             </a:fld>
             <a:endParaRPr lang="fr-FR"/>
           </a:p>
@@ -1810,7 +1815,7 @@
           <a:p>
             <a:fld id="{FF429A6C-D193-433F-8694-BE30544A7076}" type="datetimeFigureOut">
               <a:rPr lang="fr-FR" smtClean="0"/>
-              <a:t>07/08/2020</a:t>
+              <a:t>10/08/2020</a:t>
             </a:fld>
             <a:endParaRPr lang="fr-FR"/>
           </a:p>
@@ -1951,7 +1956,7 @@
           <a:p>
             <a:fld id="{FF429A6C-D193-433F-8694-BE30544A7076}" type="datetimeFigureOut">
               <a:rPr lang="fr-FR" smtClean="0"/>
-              <a:t>07/08/2020</a:t>
+              <a:t>10/08/2020</a:t>
             </a:fld>
             <a:endParaRPr lang="fr-FR"/>
           </a:p>
@@ -2064,7 +2069,7 @@
           <a:p>
             <a:fld id="{FF429A6C-D193-433F-8694-BE30544A7076}" type="datetimeFigureOut">
               <a:rPr lang="fr-FR" smtClean="0"/>
-              <a:t>07/08/2020</a:t>
+              <a:t>10/08/2020</a:t>
             </a:fld>
             <a:endParaRPr lang="fr-FR"/>
           </a:p>
@@ -2375,7 +2380,7 @@
           <a:p>
             <a:fld id="{FF429A6C-D193-433F-8694-BE30544A7076}" type="datetimeFigureOut">
               <a:rPr lang="fr-FR" smtClean="0"/>
-              <a:t>07/08/2020</a:t>
+              <a:t>10/08/2020</a:t>
             </a:fld>
             <a:endParaRPr lang="fr-FR"/>
           </a:p>
@@ -2663,7 +2668,7 @@
           <a:p>
             <a:fld id="{FF429A6C-D193-433F-8694-BE30544A7076}" type="datetimeFigureOut">
               <a:rPr lang="fr-FR" smtClean="0"/>
-              <a:t>07/08/2020</a:t>
+              <a:t>10/08/2020</a:t>
             </a:fld>
             <a:endParaRPr lang="fr-FR"/>
           </a:p>
@@ -2904,7 +2909,7 @@
           <a:p>
             <a:fld id="{FF429A6C-D193-433F-8694-BE30544A7076}" type="datetimeFigureOut">
               <a:rPr lang="fr-FR" smtClean="0"/>
-              <a:t>07/08/2020</a:t>
+              <a:t>10/08/2020</a:t>
             </a:fld>
             <a:endParaRPr lang="fr-FR"/>
           </a:p>
@@ -3335,7 +3340,7 @@
         </p:nvSpPr>
         <p:spPr>
           <a:xfrm>
-            <a:off x="0" y="0"/>
+            <a:off x="422428" y="-15940"/>
             <a:ext cx="1717829" cy="949911"/>
           </a:xfrm>
           <a:prstGeom prst="rect">
@@ -3389,8 +3394,8 @@
         </p:nvSpPr>
         <p:spPr>
           <a:xfrm>
-            <a:off x="0" y="1464816"/>
-            <a:ext cx="12192000" cy="5393184"/>
+            <a:off x="-1" y="1295400"/>
+            <a:ext cx="12192000" cy="5523989"/>
           </a:xfrm>
           <a:prstGeom prst="rect">
             <a:avLst/>
@@ -3443,7 +3448,7 @@
         </p:nvSpPr>
         <p:spPr>
           <a:xfrm>
-            <a:off x="11487704" y="1464816"/>
+            <a:off x="11487704" y="1321941"/>
             <a:ext cx="704295" cy="369332"/>
           </a:xfrm>
           <a:prstGeom prst="rect">
@@ -3487,7 +3492,7 @@
         </p:nvSpPr>
         <p:spPr>
           <a:xfrm>
-            <a:off x="235258" y="1700981"/>
+            <a:off x="540058" y="1700981"/>
             <a:ext cx="1482571" cy="781235"/>
           </a:xfrm>
           <a:prstGeom prst="rect">
@@ -3525,98 +3530,6 @@
       </p:sp>
       <p:sp>
         <p:nvSpPr>
-          <p:cNvPr id="9" name="Flèche : haut 8">
-            <a:extLst>
-              <a:ext uri="{FF2B5EF4-FFF2-40B4-BE49-F238E27FC236}">
-                <a16:creationId xmlns:a16="http://schemas.microsoft.com/office/drawing/2014/main" id="{1D4450B8-8F4E-46DF-9CA0-884FE3D5F5EA}"/>
-              </a:ext>
-            </a:extLst>
-          </p:cNvPr>
-          <p:cNvSpPr/>
-          <p:nvPr/>
-        </p:nvSpPr>
-        <p:spPr>
-          <a:xfrm>
-            <a:off x="1451499" y="949910"/>
-            <a:ext cx="266330" cy="751071"/>
-          </a:xfrm>
-          <a:prstGeom prst="upArrow">
-            <a:avLst/>
-          </a:prstGeom>
-        </p:spPr>
-        <p:style>
-          <a:lnRef idx="2">
-            <a:schemeClr val="accent1">
-              <a:shade val="50000"/>
-            </a:schemeClr>
-          </a:lnRef>
-          <a:fillRef idx="1">
-            <a:schemeClr val="accent1"/>
-          </a:fillRef>
-          <a:effectRef idx="0">
-            <a:schemeClr val="accent1"/>
-          </a:effectRef>
-          <a:fontRef idx="minor">
-            <a:schemeClr val="lt1"/>
-          </a:fontRef>
-        </p:style>
-        <p:txBody>
-          <a:bodyPr rtlCol="0" anchor="ctr"/>
-          <a:lstStyle/>
-          <a:p>
-            <a:pPr algn="ctr"/>
-            <a:endParaRPr lang="fr-FR"/>
-          </a:p>
-        </p:txBody>
-      </p:sp>
-      <p:sp>
-        <p:nvSpPr>
-          <p:cNvPr id="11" name="Flèche : haut 10">
-            <a:extLst>
-              <a:ext uri="{FF2B5EF4-FFF2-40B4-BE49-F238E27FC236}">
-                <a16:creationId xmlns:a16="http://schemas.microsoft.com/office/drawing/2014/main" id="{4E32A557-BBB4-4559-8E7E-48D4D963DF46}"/>
-              </a:ext>
-            </a:extLst>
-          </p:cNvPr>
-          <p:cNvSpPr/>
-          <p:nvPr/>
-        </p:nvSpPr>
-        <p:spPr>
-          <a:xfrm rot="10800000">
-            <a:off x="235257" y="949910"/>
-            <a:ext cx="266330" cy="751071"/>
-          </a:xfrm>
-          <a:prstGeom prst="upArrow">
-            <a:avLst/>
-          </a:prstGeom>
-        </p:spPr>
-        <p:style>
-          <a:lnRef idx="2">
-            <a:schemeClr val="accent1">
-              <a:shade val="50000"/>
-            </a:schemeClr>
-          </a:lnRef>
-          <a:fillRef idx="1">
-            <a:schemeClr val="accent1"/>
-          </a:fillRef>
-          <a:effectRef idx="0">
-            <a:schemeClr val="accent1"/>
-          </a:effectRef>
-          <a:fontRef idx="minor">
-            <a:schemeClr val="lt1"/>
-          </a:fontRef>
-        </p:style>
-        <p:txBody>
-          <a:bodyPr rtlCol="0" anchor="ctr"/>
-          <a:lstStyle/>
-          <a:p>
-            <a:pPr algn="ctr"/>
-            <a:endParaRPr lang="fr-FR"/>
-          </a:p>
-        </p:txBody>
-      </p:sp>
-      <p:sp>
-        <p:nvSpPr>
           <p:cNvPr id="13" name="Rectangle 12">
             <a:extLst>
               <a:ext uri="{FF2B5EF4-FFF2-40B4-BE49-F238E27FC236}">
@@ -3679,15 +3592,14 @@
             </a:extLst>
           </p:cNvPr>
           <p:cNvCxnSpPr>
-            <a:stCxn id="13" idx="1"/>
-            <a:endCxn id="7" idx="3"/>
+            <a:cxnSpLocks/>
           </p:cNvCxnSpPr>
           <p:nvPr/>
         </p:nvCxnSpPr>
         <p:spPr>
           <a:xfrm flipH="1">
-            <a:off x="1717829" y="2091599"/>
-            <a:ext cx="7540101" cy="0"/>
+            <a:off x="2022629" y="1910624"/>
+            <a:ext cx="7235301" cy="0"/>
           </a:xfrm>
           <a:prstGeom prst="straightConnector1">
             <a:avLst/>
@@ -3713,6 +3625,1814 @@
           </a:fontRef>
         </p:style>
       </p:cxnSp>
+      <mc:AlternateContent xmlns:mc="http://schemas.openxmlformats.org/markup-compatibility/2006" xmlns:a14="http://schemas.microsoft.com/office/drawing/2010/main">
+        <mc:Choice Requires="a14">
+          <p:sp>
+            <p:nvSpPr>
+              <p:cNvPr id="2" name="Rectangle 1">
+                <a:extLst>
+                  <a:ext uri="{FF2B5EF4-FFF2-40B4-BE49-F238E27FC236}">
+                    <a16:creationId xmlns:a16="http://schemas.microsoft.com/office/drawing/2014/main" id="{CE082AC4-54F1-400A-AE26-A4BC54851E96}"/>
+                  </a:ext>
+                </a:extLst>
+              </p:cNvPr>
+              <p:cNvSpPr/>
+              <p:nvPr/>
+            </p:nvSpPr>
+            <p:spPr>
+              <a:xfrm>
+                <a:off x="5288131" y="3249226"/>
+                <a:ext cx="2053701" cy="1029809"/>
+              </a:xfrm>
+              <a:prstGeom prst="rect">
+                <a:avLst/>
+              </a:prstGeom>
+            </p:spPr>
+            <p:style>
+              <a:lnRef idx="2">
+                <a:schemeClr val="accent2">
+                  <a:shade val="50000"/>
+                </a:schemeClr>
+              </a:lnRef>
+              <a:fillRef idx="1">
+                <a:schemeClr val="accent2"/>
+              </a:fillRef>
+              <a:effectRef idx="0">
+                <a:schemeClr val="accent2"/>
+              </a:effectRef>
+              <a:fontRef idx="minor">
+                <a:schemeClr val="lt1"/>
+              </a:fontRef>
+            </p:style>
+            <p:txBody>
+              <a:bodyPr rtlCol="0" anchor="ctr"/>
+              <a:lstStyle/>
+              <a:p>
+                <a:pPr algn="ctr"/>
+                <a14:m>
+                  <m:oMathPara xmlns:m="http://schemas.openxmlformats.org/officeDocument/2006/math">
+                    <m:oMathParaPr>
+                      <m:jc m:val="centerGroup"/>
+                    </m:oMathParaPr>
+                    <m:oMath xmlns:m="http://schemas.openxmlformats.org/officeDocument/2006/math">
+                      <m:r>
+                        <a:rPr lang="fr-BE" b="0" i="1" smtClean="0">
+                          <a:latin typeface="Cambria Math" panose="02040503050406030204" pitchFamily="18" charset="0"/>
+                        </a:rPr>
+                        <m:t>1</m:t>
+                      </m:r>
+                      <m:r>
+                        <a:rPr lang="fr-FR" b="0" i="1" smtClean="0">
+                          <a:latin typeface="Cambria Math" panose="02040503050406030204" pitchFamily="18" charset="0"/>
+                        </a:rPr>
+                        <m:t>×1 </m:t>
+                      </m:r>
+                      <m:r>
+                        <a:rPr lang="fr-FR" b="0" i="1" smtClean="0">
+                          <a:latin typeface="Cambria Math" panose="02040503050406030204" pitchFamily="18" charset="0"/>
+                        </a:rPr>
+                        <m:t>𝑐𝑜𝑛𝑣𝑜𝑙𝑢𝑡𝑖𝑜𝑛</m:t>
+                      </m:r>
+                    </m:oMath>
+                  </m:oMathPara>
+                </a14:m>
+                <a:endParaRPr lang="fr-BE" dirty="0"/>
+              </a:p>
+              <a:p>
+                <a:pPr algn="ctr"/>
+                <a:r>
+                  <a:rPr lang="fr-BE" dirty="0" err="1"/>
+                  <a:t>PEs</a:t>
+                </a:r>
+                <a:endParaRPr lang="fr-BE" dirty="0"/>
+              </a:p>
+            </p:txBody>
+          </p:sp>
+        </mc:Choice>
+        <mc:Fallback xmlns="">
+          <p:sp>
+            <p:nvSpPr>
+              <p:cNvPr id="2" name="Rectangle 1">
+                <a:extLst>
+                  <a:ext uri="{FF2B5EF4-FFF2-40B4-BE49-F238E27FC236}">
+                    <a16:creationId xmlns:a16="http://schemas.microsoft.com/office/drawing/2014/main" id="{CE082AC4-54F1-400A-AE26-A4BC54851E96}"/>
+                  </a:ext>
+                </a:extLst>
+              </p:cNvPr>
+              <p:cNvSpPr>
+                <a:spLocks noRot="1" noChangeAspect="1" noMove="1" noResize="1" noEditPoints="1" noAdjustHandles="1" noChangeArrowheads="1" noChangeShapeType="1" noTextEdit="1"/>
+              </p:cNvSpPr>
+              <p:nvPr/>
+            </p:nvSpPr>
+            <p:spPr>
+              <a:xfrm>
+                <a:off x="5288131" y="3249226"/>
+                <a:ext cx="2053701" cy="1029809"/>
+              </a:xfrm>
+              <a:prstGeom prst="rect">
+                <a:avLst/>
+              </a:prstGeom>
+              <a:blipFill>
+                <a:blip r:embed="rId2"/>
+                <a:stretch>
+                  <a:fillRect/>
+                </a:stretch>
+              </a:blipFill>
+            </p:spPr>
+            <p:txBody>
+              <a:bodyPr/>
+              <a:lstStyle/>
+              <a:p>
+                <a:r>
+                  <a:rPr lang="fr-BE">
+                    <a:noFill/>
+                  </a:rPr>
+                  <a:t> </a:t>
+                </a:r>
+              </a:p>
+            </p:txBody>
+          </p:sp>
+        </mc:Fallback>
+      </mc:AlternateContent>
+      <mc:AlternateContent xmlns:mc="http://schemas.openxmlformats.org/markup-compatibility/2006" xmlns:a14="http://schemas.microsoft.com/office/drawing/2010/main">
+        <mc:Choice Requires="a14">
+          <p:sp>
+            <p:nvSpPr>
+              <p:cNvPr id="3" name="Rectangle 2">
+                <a:extLst>
+                  <a:ext uri="{FF2B5EF4-FFF2-40B4-BE49-F238E27FC236}">
+                    <a16:creationId xmlns:a16="http://schemas.microsoft.com/office/drawing/2014/main" id="{C95B51B4-8D12-4384-A7E6-881455832BFF}"/>
+                  </a:ext>
+                </a:extLst>
+              </p:cNvPr>
+              <p:cNvSpPr/>
+              <p:nvPr/>
+            </p:nvSpPr>
+            <p:spPr>
+              <a:xfrm>
+                <a:off x="9995181" y="4629024"/>
+                <a:ext cx="2053701" cy="1029809"/>
+              </a:xfrm>
+              <a:prstGeom prst="rect">
+                <a:avLst/>
+              </a:prstGeom>
+            </p:spPr>
+            <p:style>
+              <a:lnRef idx="2">
+                <a:schemeClr val="accent2">
+                  <a:shade val="50000"/>
+                </a:schemeClr>
+              </a:lnRef>
+              <a:fillRef idx="1">
+                <a:schemeClr val="accent2"/>
+              </a:fillRef>
+              <a:effectRef idx="0">
+                <a:schemeClr val="accent2"/>
+              </a:effectRef>
+              <a:fontRef idx="minor">
+                <a:schemeClr val="lt1"/>
+              </a:fontRef>
+            </p:style>
+            <p:txBody>
+              <a:bodyPr rtlCol="0" anchor="ctr"/>
+              <a:lstStyle/>
+              <a:p>
+                <a:pPr algn="ctr"/>
+                <a14:m>
+                  <m:oMathPara xmlns:m="http://schemas.openxmlformats.org/officeDocument/2006/math">
+                    <m:oMathParaPr>
+                      <m:jc m:val="centerGroup"/>
+                    </m:oMathParaPr>
+                    <m:oMath xmlns:m="http://schemas.openxmlformats.org/officeDocument/2006/math">
+                      <m:r>
+                        <a:rPr lang="fr-FR" b="0" i="1" smtClean="0">
+                          <a:latin typeface="Cambria Math" panose="02040503050406030204" pitchFamily="18" charset="0"/>
+                        </a:rPr>
+                        <m:t>𝐷𝑆𝐶</m:t>
+                      </m:r>
+                      <m:r>
+                        <a:rPr lang="fr-FR" b="0" i="1" smtClean="0">
+                          <a:latin typeface="Cambria Math" panose="02040503050406030204" pitchFamily="18" charset="0"/>
+                        </a:rPr>
+                        <m:t> </m:t>
+                      </m:r>
+                      <m:r>
+                        <a:rPr lang="fr-FR" b="0" i="1" smtClean="0">
+                          <a:latin typeface="Cambria Math" panose="02040503050406030204" pitchFamily="18" charset="0"/>
+                        </a:rPr>
+                        <m:t>𝑐𝑜𝑛𝑣𝑜𝑙𝑢𝑡𝑖𝑜𝑛</m:t>
+                      </m:r>
+                    </m:oMath>
+                  </m:oMathPara>
+                </a14:m>
+                <a:endParaRPr lang="fr-BE" dirty="0"/>
+              </a:p>
+              <a:p>
+                <a:pPr algn="ctr"/>
+                <a:r>
+                  <a:rPr lang="fr-BE" dirty="0" err="1"/>
+                  <a:t>PEs</a:t>
+                </a:r>
+                <a:endParaRPr lang="fr-BE" dirty="0"/>
+              </a:p>
+            </p:txBody>
+          </p:sp>
+        </mc:Choice>
+        <mc:Fallback xmlns="">
+          <p:sp>
+            <p:nvSpPr>
+              <p:cNvPr id="3" name="Rectangle 2">
+                <a:extLst>
+                  <a:ext uri="{FF2B5EF4-FFF2-40B4-BE49-F238E27FC236}">
+                    <a16:creationId xmlns:a16="http://schemas.microsoft.com/office/drawing/2014/main" id="{C95B51B4-8D12-4384-A7E6-881455832BFF}"/>
+                  </a:ext>
+                </a:extLst>
+              </p:cNvPr>
+              <p:cNvSpPr>
+                <a:spLocks noRot="1" noChangeAspect="1" noMove="1" noResize="1" noEditPoints="1" noAdjustHandles="1" noChangeArrowheads="1" noChangeShapeType="1" noTextEdit="1"/>
+              </p:cNvSpPr>
+              <p:nvPr/>
+            </p:nvSpPr>
+            <p:spPr>
+              <a:xfrm>
+                <a:off x="9995181" y="4629024"/>
+                <a:ext cx="2053701" cy="1029809"/>
+              </a:xfrm>
+              <a:prstGeom prst="rect">
+                <a:avLst/>
+              </a:prstGeom>
+              <a:blipFill>
+                <a:blip r:embed="rId3"/>
+                <a:stretch>
+                  <a:fillRect/>
+                </a:stretch>
+              </a:blipFill>
+            </p:spPr>
+            <p:txBody>
+              <a:bodyPr/>
+              <a:lstStyle/>
+              <a:p>
+                <a:r>
+                  <a:rPr lang="fr-BE">
+                    <a:noFill/>
+                  </a:rPr>
+                  <a:t> </a:t>
+                </a:r>
+              </a:p>
+            </p:txBody>
+          </p:sp>
+        </mc:Fallback>
+      </mc:AlternateContent>
+      <p:cxnSp>
+        <p:nvCxnSpPr>
+          <p:cNvPr id="14" name="Connecteur droit avec flèche 13">
+            <a:extLst>
+              <a:ext uri="{FF2B5EF4-FFF2-40B4-BE49-F238E27FC236}">
+                <a16:creationId xmlns:a16="http://schemas.microsoft.com/office/drawing/2014/main" id="{ABC748A3-6CDA-4C49-A16A-EA7A48402170}"/>
+              </a:ext>
+            </a:extLst>
+          </p:cNvPr>
+          <p:cNvCxnSpPr>
+            <a:cxnSpLocks/>
+            <a:stCxn id="13" idx="2"/>
+            <a:endCxn id="2" idx="0"/>
+          </p:cNvCxnSpPr>
+          <p:nvPr/>
+        </p:nvCxnSpPr>
+        <p:spPr>
+          <a:xfrm rot="5400000">
+            <a:off x="7773594" y="1023604"/>
+            <a:ext cx="767010" cy="3684234"/>
+          </a:xfrm>
+          <a:prstGeom prst="bentConnector3">
+            <a:avLst>
+              <a:gd name="adj1" fmla="val 50000"/>
+            </a:avLst>
+          </a:prstGeom>
+          <a:ln w="76200">
+            <a:tailEnd type="triangle"/>
+          </a:ln>
+        </p:spPr>
+        <p:style>
+          <a:lnRef idx="2">
+            <a:schemeClr val="dk1">
+              <a:shade val="50000"/>
+            </a:schemeClr>
+          </a:lnRef>
+          <a:fillRef idx="1">
+            <a:schemeClr val="dk1"/>
+          </a:fillRef>
+          <a:effectRef idx="0">
+            <a:schemeClr val="dk1"/>
+          </a:effectRef>
+          <a:fontRef idx="minor">
+            <a:schemeClr val="lt1"/>
+          </a:fontRef>
+        </p:style>
+      </p:cxnSp>
+      <p:cxnSp>
+        <p:nvCxnSpPr>
+          <p:cNvPr id="33" name="Connecteur : en angle 32">
+            <a:extLst>
+              <a:ext uri="{FF2B5EF4-FFF2-40B4-BE49-F238E27FC236}">
+                <a16:creationId xmlns:a16="http://schemas.microsoft.com/office/drawing/2014/main" id="{0E887894-8749-44F8-B7D5-73C2AFD27E5C}"/>
+              </a:ext>
+            </a:extLst>
+          </p:cNvPr>
+          <p:cNvCxnSpPr>
+            <a:cxnSpLocks/>
+            <a:stCxn id="13" idx="3"/>
+            <a:endCxn id="3" idx="0"/>
+          </p:cNvCxnSpPr>
+          <p:nvPr/>
+        </p:nvCxnSpPr>
+        <p:spPr>
+          <a:xfrm>
+            <a:off x="10740501" y="2091599"/>
+            <a:ext cx="281531" cy="2537425"/>
+          </a:xfrm>
+          <a:prstGeom prst="bentConnector2">
+            <a:avLst/>
+          </a:prstGeom>
+          <a:ln w="76200">
+            <a:tailEnd type="triangle"/>
+          </a:ln>
+        </p:spPr>
+        <p:style>
+          <a:lnRef idx="1">
+            <a:schemeClr val="dk1"/>
+          </a:lnRef>
+          <a:fillRef idx="0">
+            <a:schemeClr val="dk1"/>
+          </a:fillRef>
+          <a:effectRef idx="0">
+            <a:schemeClr val="dk1"/>
+          </a:effectRef>
+          <a:fontRef idx="minor">
+            <a:schemeClr val="tx1"/>
+          </a:fontRef>
+        </p:style>
+      </p:cxnSp>
+      <p:sp>
+        <p:nvSpPr>
+          <p:cNvPr id="40" name="Rectangle 39">
+            <a:extLst>
+              <a:ext uri="{FF2B5EF4-FFF2-40B4-BE49-F238E27FC236}">
+                <a16:creationId xmlns:a16="http://schemas.microsoft.com/office/drawing/2014/main" id="{6D567F2A-73B8-4141-BA8B-45A90AFA9589}"/>
+              </a:ext>
+            </a:extLst>
+          </p:cNvPr>
+          <p:cNvSpPr/>
+          <p:nvPr/>
+        </p:nvSpPr>
+        <p:spPr>
+          <a:xfrm>
+            <a:off x="2374406" y="2897223"/>
+            <a:ext cx="1626499" cy="704005"/>
+          </a:xfrm>
+          <a:prstGeom prst="rect">
+            <a:avLst/>
+          </a:prstGeom>
+        </p:spPr>
+        <p:style>
+          <a:lnRef idx="2">
+            <a:schemeClr val="accent6">
+              <a:shade val="50000"/>
+            </a:schemeClr>
+          </a:lnRef>
+          <a:fillRef idx="1">
+            <a:schemeClr val="accent6"/>
+          </a:fillRef>
+          <a:effectRef idx="0">
+            <a:schemeClr val="accent6"/>
+          </a:effectRef>
+          <a:fontRef idx="minor">
+            <a:schemeClr val="lt1"/>
+          </a:fontRef>
+        </p:style>
+        <p:txBody>
+          <a:bodyPr rtlCol="0" anchor="ctr"/>
+          <a:lstStyle/>
+          <a:p>
+            <a:pPr algn="ctr"/>
+            <a:r>
+              <a:rPr lang="fr-FR" dirty="0"/>
+              <a:t>FMI Buffer</a:t>
+            </a:r>
+            <a:endParaRPr lang="fr-BE" dirty="0"/>
+          </a:p>
+        </p:txBody>
+      </p:sp>
+      <p:sp>
+        <p:nvSpPr>
+          <p:cNvPr id="42" name="Rectangle 41">
+            <a:extLst>
+              <a:ext uri="{FF2B5EF4-FFF2-40B4-BE49-F238E27FC236}">
+                <a16:creationId xmlns:a16="http://schemas.microsoft.com/office/drawing/2014/main" id="{8DE81523-8E1B-4CF7-AE41-C56334A784CC}"/>
+              </a:ext>
+            </a:extLst>
+          </p:cNvPr>
+          <p:cNvSpPr/>
+          <p:nvPr/>
+        </p:nvSpPr>
+        <p:spPr>
+          <a:xfrm>
+            <a:off x="2365479" y="3699614"/>
+            <a:ext cx="1626499" cy="704005"/>
+          </a:xfrm>
+          <a:prstGeom prst="rect">
+            <a:avLst/>
+          </a:prstGeom>
+        </p:spPr>
+        <p:style>
+          <a:lnRef idx="2">
+            <a:schemeClr val="accent6">
+              <a:shade val="50000"/>
+            </a:schemeClr>
+          </a:lnRef>
+          <a:fillRef idx="1">
+            <a:schemeClr val="accent6"/>
+          </a:fillRef>
+          <a:effectRef idx="0">
+            <a:schemeClr val="accent6"/>
+          </a:effectRef>
+          <a:fontRef idx="minor">
+            <a:schemeClr val="lt1"/>
+          </a:fontRef>
+        </p:style>
+        <p:txBody>
+          <a:bodyPr rtlCol="0" anchor="ctr"/>
+          <a:lstStyle/>
+          <a:p>
+            <a:pPr algn="ctr"/>
+            <a:r>
+              <a:rPr lang="fr-FR" dirty="0"/>
+              <a:t>KEX Buffer</a:t>
+            </a:r>
+            <a:endParaRPr lang="fr-BE" dirty="0"/>
+          </a:p>
+        </p:txBody>
+      </p:sp>
+      <p:sp>
+        <p:nvSpPr>
+          <p:cNvPr id="44" name="Rectangle 43">
+            <a:extLst>
+              <a:ext uri="{FF2B5EF4-FFF2-40B4-BE49-F238E27FC236}">
+                <a16:creationId xmlns:a16="http://schemas.microsoft.com/office/drawing/2014/main" id="{AED7331E-007B-4024-AC11-2792BDC55BDB}"/>
+              </a:ext>
+            </a:extLst>
+          </p:cNvPr>
+          <p:cNvSpPr/>
+          <p:nvPr/>
+        </p:nvSpPr>
+        <p:spPr>
+          <a:xfrm>
+            <a:off x="2365480" y="4507456"/>
+            <a:ext cx="1626499" cy="704005"/>
+          </a:xfrm>
+          <a:prstGeom prst="rect">
+            <a:avLst/>
+          </a:prstGeom>
+        </p:spPr>
+        <p:style>
+          <a:lnRef idx="2">
+            <a:schemeClr val="accent6">
+              <a:shade val="50000"/>
+            </a:schemeClr>
+          </a:lnRef>
+          <a:fillRef idx="1">
+            <a:schemeClr val="accent6"/>
+          </a:fillRef>
+          <a:effectRef idx="0">
+            <a:schemeClr val="accent6"/>
+          </a:effectRef>
+          <a:fontRef idx="minor">
+            <a:schemeClr val="lt1"/>
+          </a:fontRef>
+        </p:style>
+        <p:txBody>
+          <a:bodyPr rtlCol="0" anchor="ctr"/>
+          <a:lstStyle/>
+          <a:p>
+            <a:pPr algn="ctr"/>
+            <a:r>
+              <a:rPr lang="fr-FR" dirty="0"/>
+              <a:t>KDW Buffer</a:t>
+            </a:r>
+            <a:endParaRPr lang="fr-BE" dirty="0"/>
+          </a:p>
+        </p:txBody>
+      </p:sp>
+      <p:sp>
+        <p:nvSpPr>
+          <p:cNvPr id="46" name="Rectangle 45">
+            <a:extLst>
+              <a:ext uri="{FF2B5EF4-FFF2-40B4-BE49-F238E27FC236}">
+                <a16:creationId xmlns:a16="http://schemas.microsoft.com/office/drawing/2014/main" id="{E0FC61C5-96AA-425E-870D-304289260311}"/>
+              </a:ext>
+            </a:extLst>
+          </p:cNvPr>
+          <p:cNvSpPr/>
+          <p:nvPr/>
+        </p:nvSpPr>
+        <p:spPr>
+          <a:xfrm>
+            <a:off x="2365481" y="5309847"/>
+            <a:ext cx="1626499" cy="704005"/>
+          </a:xfrm>
+          <a:prstGeom prst="rect">
+            <a:avLst/>
+          </a:prstGeom>
+        </p:spPr>
+        <p:style>
+          <a:lnRef idx="2">
+            <a:schemeClr val="accent6">
+              <a:shade val="50000"/>
+            </a:schemeClr>
+          </a:lnRef>
+          <a:fillRef idx="1">
+            <a:schemeClr val="accent6"/>
+          </a:fillRef>
+          <a:effectRef idx="0">
+            <a:schemeClr val="accent6"/>
+          </a:effectRef>
+          <a:fontRef idx="minor">
+            <a:schemeClr val="lt1"/>
+          </a:fontRef>
+        </p:style>
+        <p:txBody>
+          <a:bodyPr rtlCol="0" anchor="ctr"/>
+          <a:lstStyle/>
+          <a:p>
+            <a:pPr algn="ctr"/>
+            <a:r>
+              <a:rPr lang="fr-FR" dirty="0"/>
+              <a:t>KPW Buffer</a:t>
+            </a:r>
+            <a:endParaRPr lang="fr-BE" dirty="0"/>
+          </a:p>
+        </p:txBody>
+      </p:sp>
+      <p:sp>
+        <p:nvSpPr>
+          <p:cNvPr id="48" name="Rectangle 47">
+            <a:extLst>
+              <a:ext uri="{FF2B5EF4-FFF2-40B4-BE49-F238E27FC236}">
+                <a16:creationId xmlns:a16="http://schemas.microsoft.com/office/drawing/2014/main" id="{C17F0C65-6A00-4FEE-BC8B-B52782D44082}"/>
+              </a:ext>
+            </a:extLst>
+          </p:cNvPr>
+          <p:cNvSpPr/>
+          <p:nvPr/>
+        </p:nvSpPr>
+        <p:spPr>
+          <a:xfrm>
+            <a:off x="2365482" y="6123141"/>
+            <a:ext cx="1626499" cy="704005"/>
+          </a:xfrm>
+          <a:prstGeom prst="rect">
+            <a:avLst/>
+          </a:prstGeom>
+        </p:spPr>
+        <p:style>
+          <a:lnRef idx="2">
+            <a:schemeClr val="accent6">
+              <a:shade val="50000"/>
+            </a:schemeClr>
+          </a:lnRef>
+          <a:fillRef idx="1">
+            <a:schemeClr val="accent6"/>
+          </a:fillRef>
+          <a:effectRef idx="0">
+            <a:schemeClr val="accent6"/>
+          </a:effectRef>
+          <a:fontRef idx="minor">
+            <a:schemeClr val="lt1"/>
+          </a:fontRef>
+        </p:style>
+        <p:txBody>
+          <a:bodyPr rtlCol="0" anchor="ctr"/>
+          <a:lstStyle/>
+          <a:p>
+            <a:pPr algn="ctr"/>
+            <a:r>
+              <a:rPr lang="fr-FR" dirty="0"/>
+              <a:t>FMO Buffer</a:t>
+            </a:r>
+            <a:endParaRPr lang="fr-BE" dirty="0"/>
+          </a:p>
+        </p:txBody>
+      </p:sp>
+      <p:cxnSp>
+        <p:nvCxnSpPr>
+          <p:cNvPr id="49" name="Connecteur droit avec flèche 48">
+            <a:extLst>
+              <a:ext uri="{FF2B5EF4-FFF2-40B4-BE49-F238E27FC236}">
+                <a16:creationId xmlns:a16="http://schemas.microsoft.com/office/drawing/2014/main" id="{F8B1D9E6-31D0-430B-BAA7-A24557CDADBD}"/>
+              </a:ext>
+            </a:extLst>
+          </p:cNvPr>
+          <p:cNvCxnSpPr>
+            <a:cxnSpLocks/>
+            <a:stCxn id="40" idx="3"/>
+          </p:cNvCxnSpPr>
+          <p:nvPr/>
+        </p:nvCxnSpPr>
+        <p:spPr>
+          <a:xfrm>
+            <a:off x="4000905" y="3249226"/>
+            <a:ext cx="1296152" cy="234728"/>
+          </a:xfrm>
+          <a:prstGeom prst="bentConnector3">
+            <a:avLst>
+              <a:gd name="adj1" fmla="val 50000"/>
+            </a:avLst>
+          </a:prstGeom>
+          <a:ln w="76200">
+            <a:solidFill>
+              <a:schemeClr val="accent6"/>
+            </a:solidFill>
+            <a:tailEnd type="triangle"/>
+          </a:ln>
+        </p:spPr>
+        <p:style>
+          <a:lnRef idx="2">
+            <a:schemeClr val="dk1">
+              <a:shade val="50000"/>
+            </a:schemeClr>
+          </a:lnRef>
+          <a:fillRef idx="1">
+            <a:schemeClr val="dk1"/>
+          </a:fillRef>
+          <a:effectRef idx="0">
+            <a:schemeClr val="dk1"/>
+          </a:effectRef>
+          <a:fontRef idx="minor">
+            <a:schemeClr val="lt1"/>
+          </a:fontRef>
+        </p:style>
+      </p:cxnSp>
+      <p:cxnSp>
+        <p:nvCxnSpPr>
+          <p:cNvPr id="54" name="Connecteur droit avec flèche 48">
+            <a:extLst>
+              <a:ext uri="{FF2B5EF4-FFF2-40B4-BE49-F238E27FC236}">
+                <a16:creationId xmlns:a16="http://schemas.microsoft.com/office/drawing/2014/main" id="{77020DA2-CE02-41F5-901E-CE49CDC4FF3A}"/>
+              </a:ext>
+            </a:extLst>
+          </p:cNvPr>
+          <p:cNvCxnSpPr>
+            <a:cxnSpLocks/>
+            <a:stCxn id="42" idx="3"/>
+          </p:cNvCxnSpPr>
+          <p:nvPr/>
+        </p:nvCxnSpPr>
+        <p:spPr>
+          <a:xfrm flipV="1">
+            <a:off x="3991978" y="4038852"/>
+            <a:ext cx="1296153" cy="12765"/>
+          </a:xfrm>
+          <a:prstGeom prst="straightConnector1">
+            <a:avLst/>
+          </a:prstGeom>
+          <a:ln w="76200">
+            <a:solidFill>
+              <a:schemeClr val="accent6"/>
+            </a:solidFill>
+            <a:tailEnd type="triangle"/>
+          </a:ln>
+        </p:spPr>
+        <p:style>
+          <a:lnRef idx="2">
+            <a:schemeClr val="dk1">
+              <a:shade val="50000"/>
+            </a:schemeClr>
+          </a:lnRef>
+          <a:fillRef idx="1">
+            <a:schemeClr val="dk1"/>
+          </a:fillRef>
+          <a:effectRef idx="0">
+            <a:schemeClr val="dk1"/>
+          </a:effectRef>
+          <a:fontRef idx="minor">
+            <a:schemeClr val="lt1"/>
+          </a:fontRef>
+        </p:style>
+      </p:cxnSp>
+      <p:sp>
+        <p:nvSpPr>
+          <p:cNvPr id="63" name="Rectangle 62">
+            <a:extLst>
+              <a:ext uri="{FF2B5EF4-FFF2-40B4-BE49-F238E27FC236}">
+                <a16:creationId xmlns:a16="http://schemas.microsoft.com/office/drawing/2014/main" id="{A946C5B6-21D5-4C87-B6DB-BCEC1ADAB2D4}"/>
+              </a:ext>
+            </a:extLst>
+          </p:cNvPr>
+          <p:cNvSpPr/>
+          <p:nvPr/>
+        </p:nvSpPr>
+        <p:spPr>
+          <a:xfrm>
+            <a:off x="8368682" y="3418792"/>
+            <a:ext cx="1626499" cy="704005"/>
+          </a:xfrm>
+          <a:prstGeom prst="rect">
+            <a:avLst/>
+          </a:prstGeom>
+        </p:spPr>
+        <p:style>
+          <a:lnRef idx="2">
+            <a:schemeClr val="accent6">
+              <a:shade val="50000"/>
+            </a:schemeClr>
+          </a:lnRef>
+          <a:fillRef idx="1">
+            <a:schemeClr val="accent6"/>
+          </a:fillRef>
+          <a:effectRef idx="0">
+            <a:schemeClr val="accent6"/>
+          </a:effectRef>
+          <a:fontRef idx="minor">
+            <a:schemeClr val="lt1"/>
+          </a:fontRef>
+        </p:style>
+        <p:txBody>
+          <a:bodyPr rtlCol="0" anchor="ctr"/>
+          <a:lstStyle/>
+          <a:p>
+            <a:pPr algn="ctr"/>
+            <a:r>
+              <a:rPr lang="fr-FR" dirty="0"/>
+              <a:t>FMI Buffer</a:t>
+            </a:r>
+            <a:endParaRPr lang="fr-BE" dirty="0"/>
+          </a:p>
+        </p:txBody>
+      </p:sp>
+      <p:cxnSp>
+        <p:nvCxnSpPr>
+          <p:cNvPr id="64" name="Connecteur droit avec flèche 48">
+            <a:extLst>
+              <a:ext uri="{FF2B5EF4-FFF2-40B4-BE49-F238E27FC236}">
+                <a16:creationId xmlns:a16="http://schemas.microsoft.com/office/drawing/2014/main" id="{A7BC9EE7-F399-406A-BCB8-7CF6DFBEA71E}"/>
+              </a:ext>
+            </a:extLst>
+          </p:cNvPr>
+          <p:cNvCxnSpPr>
+            <a:cxnSpLocks/>
+            <a:stCxn id="2" idx="3"/>
+            <a:endCxn id="63" idx="1"/>
+          </p:cNvCxnSpPr>
+          <p:nvPr/>
+        </p:nvCxnSpPr>
+        <p:spPr>
+          <a:xfrm>
+            <a:off x="7341832" y="3764131"/>
+            <a:ext cx="1026850" cy="6664"/>
+          </a:xfrm>
+          <a:prstGeom prst="straightConnector1">
+            <a:avLst/>
+          </a:prstGeom>
+          <a:ln w="76200">
+            <a:solidFill>
+              <a:schemeClr val="accent2"/>
+            </a:solidFill>
+            <a:tailEnd type="triangle"/>
+          </a:ln>
+        </p:spPr>
+        <p:style>
+          <a:lnRef idx="2">
+            <a:schemeClr val="dk1">
+              <a:shade val="50000"/>
+            </a:schemeClr>
+          </a:lnRef>
+          <a:fillRef idx="1">
+            <a:schemeClr val="dk1"/>
+          </a:fillRef>
+          <a:effectRef idx="0">
+            <a:schemeClr val="dk1"/>
+          </a:effectRef>
+          <a:fontRef idx="minor">
+            <a:schemeClr val="lt1"/>
+          </a:fontRef>
+        </p:style>
+      </p:cxnSp>
+      <p:cxnSp>
+        <p:nvCxnSpPr>
+          <p:cNvPr id="71" name="Connecteur droit avec flèche 48">
+            <a:extLst>
+              <a:ext uri="{FF2B5EF4-FFF2-40B4-BE49-F238E27FC236}">
+                <a16:creationId xmlns:a16="http://schemas.microsoft.com/office/drawing/2014/main" id="{52D0CF0B-F75F-4E8E-9A3B-F8BAC4802F33}"/>
+              </a:ext>
+            </a:extLst>
+          </p:cNvPr>
+          <p:cNvCxnSpPr>
+            <a:cxnSpLocks/>
+            <a:stCxn id="3" idx="2"/>
+          </p:cNvCxnSpPr>
+          <p:nvPr/>
+        </p:nvCxnSpPr>
+        <p:spPr>
+          <a:xfrm rot="5400000">
+            <a:off x="7041704" y="2609115"/>
+            <a:ext cx="930611" cy="7030047"/>
+          </a:xfrm>
+          <a:prstGeom prst="bentConnector2">
+            <a:avLst/>
+          </a:prstGeom>
+          <a:ln w="76200">
+            <a:solidFill>
+              <a:schemeClr val="accent2"/>
+            </a:solidFill>
+            <a:tailEnd type="triangle"/>
+          </a:ln>
+        </p:spPr>
+        <p:style>
+          <a:lnRef idx="2">
+            <a:schemeClr val="dk1">
+              <a:shade val="50000"/>
+            </a:schemeClr>
+          </a:lnRef>
+          <a:fillRef idx="1">
+            <a:schemeClr val="dk1"/>
+          </a:fillRef>
+          <a:effectRef idx="0">
+            <a:schemeClr val="dk1"/>
+          </a:effectRef>
+          <a:fontRef idx="minor">
+            <a:schemeClr val="lt1"/>
+          </a:fontRef>
+        </p:style>
+      </p:cxnSp>
+      <p:cxnSp>
+        <p:nvCxnSpPr>
+          <p:cNvPr id="74" name="Connecteur droit avec flèche 48">
+            <a:extLst>
+              <a:ext uri="{FF2B5EF4-FFF2-40B4-BE49-F238E27FC236}">
+                <a16:creationId xmlns:a16="http://schemas.microsoft.com/office/drawing/2014/main" id="{E9ECFE84-B33E-4A83-A654-C5F277FA39E9}"/>
+              </a:ext>
+            </a:extLst>
+          </p:cNvPr>
+          <p:cNvCxnSpPr>
+            <a:cxnSpLocks/>
+            <a:stCxn id="63" idx="3"/>
+          </p:cNvCxnSpPr>
+          <p:nvPr/>
+        </p:nvCxnSpPr>
+        <p:spPr>
+          <a:xfrm>
+            <a:off x="9995181" y="3770795"/>
+            <a:ext cx="384214" cy="866906"/>
+          </a:xfrm>
+          <a:prstGeom prst="bentConnector2">
+            <a:avLst/>
+          </a:prstGeom>
+          <a:ln w="76200">
+            <a:solidFill>
+              <a:schemeClr val="accent6"/>
+            </a:solidFill>
+            <a:tailEnd type="triangle"/>
+          </a:ln>
+        </p:spPr>
+        <p:style>
+          <a:lnRef idx="2">
+            <a:schemeClr val="dk1">
+              <a:shade val="50000"/>
+            </a:schemeClr>
+          </a:lnRef>
+          <a:fillRef idx="1">
+            <a:schemeClr val="dk1"/>
+          </a:fillRef>
+          <a:effectRef idx="0">
+            <a:schemeClr val="dk1"/>
+          </a:effectRef>
+          <a:fontRef idx="minor">
+            <a:schemeClr val="lt1"/>
+          </a:fontRef>
+        </p:style>
+      </p:cxnSp>
+      <p:cxnSp>
+        <p:nvCxnSpPr>
+          <p:cNvPr id="77" name="Connecteur droit avec flèche 48">
+            <a:extLst>
+              <a:ext uri="{FF2B5EF4-FFF2-40B4-BE49-F238E27FC236}">
+                <a16:creationId xmlns:a16="http://schemas.microsoft.com/office/drawing/2014/main" id="{E2730406-A854-4F80-B37E-237C69E03423}"/>
+              </a:ext>
+            </a:extLst>
+          </p:cNvPr>
+          <p:cNvCxnSpPr>
+            <a:cxnSpLocks/>
+            <a:stCxn id="44" idx="3"/>
+          </p:cNvCxnSpPr>
+          <p:nvPr/>
+        </p:nvCxnSpPr>
+        <p:spPr>
+          <a:xfrm flipV="1">
+            <a:off x="3991979" y="4835389"/>
+            <a:ext cx="6003199" cy="24070"/>
+          </a:xfrm>
+          <a:prstGeom prst="straightConnector1">
+            <a:avLst/>
+          </a:prstGeom>
+          <a:ln w="76200">
+            <a:solidFill>
+              <a:schemeClr val="accent6"/>
+            </a:solidFill>
+            <a:tailEnd type="triangle"/>
+          </a:ln>
+        </p:spPr>
+        <p:style>
+          <a:lnRef idx="2">
+            <a:schemeClr val="dk1">
+              <a:shade val="50000"/>
+            </a:schemeClr>
+          </a:lnRef>
+          <a:fillRef idx="1">
+            <a:schemeClr val="dk1"/>
+          </a:fillRef>
+          <a:effectRef idx="0">
+            <a:schemeClr val="dk1"/>
+          </a:effectRef>
+          <a:fontRef idx="minor">
+            <a:schemeClr val="lt1"/>
+          </a:fontRef>
+        </p:style>
+      </p:cxnSp>
+      <p:cxnSp>
+        <p:nvCxnSpPr>
+          <p:cNvPr id="80" name="Connecteur droit avec flèche 48">
+            <a:extLst>
+              <a:ext uri="{FF2B5EF4-FFF2-40B4-BE49-F238E27FC236}">
+                <a16:creationId xmlns:a16="http://schemas.microsoft.com/office/drawing/2014/main" id="{CC696635-B463-4491-A840-F08188BDB343}"/>
+              </a:ext>
+            </a:extLst>
+          </p:cNvPr>
+          <p:cNvCxnSpPr>
+            <a:cxnSpLocks/>
+          </p:cNvCxnSpPr>
+          <p:nvPr/>
+        </p:nvCxnSpPr>
+        <p:spPr>
+          <a:xfrm flipV="1">
+            <a:off x="3991980" y="5517726"/>
+            <a:ext cx="6003198" cy="10774"/>
+          </a:xfrm>
+          <a:prstGeom prst="straightConnector1">
+            <a:avLst/>
+          </a:prstGeom>
+          <a:ln w="76200">
+            <a:solidFill>
+              <a:schemeClr val="accent6"/>
+            </a:solidFill>
+            <a:tailEnd type="triangle"/>
+          </a:ln>
+        </p:spPr>
+        <p:style>
+          <a:lnRef idx="2">
+            <a:schemeClr val="dk1">
+              <a:shade val="50000"/>
+            </a:schemeClr>
+          </a:lnRef>
+          <a:fillRef idx="1">
+            <a:schemeClr val="dk1"/>
+          </a:fillRef>
+          <a:effectRef idx="0">
+            <a:schemeClr val="dk1"/>
+          </a:effectRef>
+          <a:fontRef idx="minor">
+            <a:schemeClr val="lt1"/>
+          </a:fontRef>
+        </p:style>
+      </p:cxnSp>
+      <p:cxnSp>
+        <p:nvCxnSpPr>
+          <p:cNvPr id="87" name="Connecteur droit avec flèche 48">
+            <a:extLst>
+              <a:ext uri="{FF2B5EF4-FFF2-40B4-BE49-F238E27FC236}">
+                <a16:creationId xmlns:a16="http://schemas.microsoft.com/office/drawing/2014/main" id="{8FEB2DC1-16DB-4542-84BF-F94FDF7D77E4}"/>
+              </a:ext>
+            </a:extLst>
+          </p:cNvPr>
+          <p:cNvCxnSpPr>
+            <a:cxnSpLocks/>
+          </p:cNvCxnSpPr>
+          <p:nvPr/>
+        </p:nvCxnSpPr>
+        <p:spPr>
+          <a:xfrm>
+            <a:off x="219319" y="5733348"/>
+            <a:ext cx="2146162" cy="4702"/>
+          </a:xfrm>
+          <a:prstGeom prst="straightConnector1">
+            <a:avLst/>
+          </a:prstGeom>
+          <a:ln w="76200">
+            <a:solidFill>
+              <a:schemeClr val="accent1"/>
+            </a:solidFill>
+            <a:tailEnd type="triangle"/>
+          </a:ln>
+        </p:spPr>
+        <p:style>
+          <a:lnRef idx="2">
+            <a:schemeClr val="dk1">
+              <a:shade val="50000"/>
+            </a:schemeClr>
+          </a:lnRef>
+          <a:fillRef idx="1">
+            <a:schemeClr val="dk1"/>
+          </a:fillRef>
+          <a:effectRef idx="0">
+            <a:schemeClr val="dk1"/>
+          </a:effectRef>
+          <a:fontRef idx="minor">
+            <a:schemeClr val="lt1"/>
+          </a:fontRef>
+        </p:style>
+      </p:cxnSp>
+      <p:cxnSp>
+        <p:nvCxnSpPr>
+          <p:cNvPr id="97" name="Connecteur droit avec flèche 48">
+            <a:extLst>
+              <a:ext uri="{FF2B5EF4-FFF2-40B4-BE49-F238E27FC236}">
+                <a16:creationId xmlns:a16="http://schemas.microsoft.com/office/drawing/2014/main" id="{5C36C505-BE68-4889-9A55-EAFA9D45EE0C}"/>
+              </a:ext>
+            </a:extLst>
+          </p:cNvPr>
+          <p:cNvCxnSpPr>
+            <a:cxnSpLocks/>
+          </p:cNvCxnSpPr>
+          <p:nvPr/>
+        </p:nvCxnSpPr>
+        <p:spPr>
+          <a:xfrm flipH="1">
+            <a:off x="1823412" y="928751"/>
+            <a:ext cx="10059" cy="751073"/>
+          </a:xfrm>
+          <a:prstGeom prst="straightConnector1">
+            <a:avLst/>
+          </a:prstGeom>
+          <a:ln w="76200">
+            <a:solidFill>
+              <a:schemeClr val="accent1"/>
+            </a:solidFill>
+            <a:tailEnd type="triangle"/>
+          </a:ln>
+        </p:spPr>
+        <p:style>
+          <a:lnRef idx="2">
+            <a:schemeClr val="dk1">
+              <a:shade val="50000"/>
+            </a:schemeClr>
+          </a:lnRef>
+          <a:fillRef idx="1">
+            <a:schemeClr val="dk1"/>
+          </a:fillRef>
+          <a:effectRef idx="0">
+            <a:schemeClr val="dk1"/>
+          </a:effectRef>
+          <a:fontRef idx="minor">
+            <a:schemeClr val="lt1"/>
+          </a:fontRef>
+        </p:style>
+      </p:cxnSp>
+      <p:cxnSp>
+        <p:nvCxnSpPr>
+          <p:cNvPr id="103" name="Connecteur droit avec flèche 48">
+            <a:extLst>
+              <a:ext uri="{FF2B5EF4-FFF2-40B4-BE49-F238E27FC236}">
+                <a16:creationId xmlns:a16="http://schemas.microsoft.com/office/drawing/2014/main" id="{6DDA48B9-F112-48E1-9053-3F2FCCF97620}"/>
+              </a:ext>
+            </a:extLst>
+          </p:cNvPr>
+          <p:cNvCxnSpPr>
+            <a:cxnSpLocks/>
+          </p:cNvCxnSpPr>
+          <p:nvPr/>
+        </p:nvCxnSpPr>
+        <p:spPr>
+          <a:xfrm flipV="1">
+            <a:off x="906677" y="955129"/>
+            <a:ext cx="1" cy="745851"/>
+          </a:xfrm>
+          <a:prstGeom prst="straightConnector1">
+            <a:avLst/>
+          </a:prstGeom>
+          <a:ln w="76200">
+            <a:solidFill>
+              <a:schemeClr val="accent1"/>
+            </a:solidFill>
+            <a:tailEnd type="triangle"/>
+          </a:ln>
+        </p:spPr>
+        <p:style>
+          <a:lnRef idx="2">
+            <a:schemeClr val="dk1">
+              <a:shade val="50000"/>
+            </a:schemeClr>
+          </a:lnRef>
+          <a:fillRef idx="1">
+            <a:schemeClr val="dk1"/>
+          </a:fillRef>
+          <a:effectRef idx="0">
+            <a:schemeClr val="dk1"/>
+          </a:effectRef>
+          <a:fontRef idx="minor">
+            <a:schemeClr val="lt1"/>
+          </a:fontRef>
+        </p:style>
+      </p:cxnSp>
+      <p:cxnSp>
+        <p:nvCxnSpPr>
+          <p:cNvPr id="110" name="Connecteur : en angle 109">
+            <a:extLst>
+              <a:ext uri="{FF2B5EF4-FFF2-40B4-BE49-F238E27FC236}">
+                <a16:creationId xmlns:a16="http://schemas.microsoft.com/office/drawing/2014/main" id="{95B150C0-70C9-4773-99DA-9B077365F42F}"/>
+              </a:ext>
+            </a:extLst>
+          </p:cNvPr>
+          <p:cNvCxnSpPr>
+            <a:cxnSpLocks/>
+          </p:cNvCxnSpPr>
+          <p:nvPr/>
+        </p:nvCxnSpPr>
+        <p:spPr>
+          <a:xfrm rot="5400000">
+            <a:off x="-1559083" y="3291007"/>
+            <a:ext cx="4264653" cy="629432"/>
+          </a:xfrm>
+          <a:prstGeom prst="bentConnector3">
+            <a:avLst>
+              <a:gd name="adj1" fmla="val -923"/>
+            </a:avLst>
+          </a:prstGeom>
+          <a:ln w="76200"/>
+        </p:spPr>
+        <p:style>
+          <a:lnRef idx="1">
+            <a:schemeClr val="accent1"/>
+          </a:lnRef>
+          <a:fillRef idx="0">
+            <a:schemeClr val="accent1"/>
+          </a:fillRef>
+          <a:effectRef idx="0">
+            <a:schemeClr val="accent1"/>
+          </a:effectRef>
+          <a:fontRef idx="minor">
+            <a:schemeClr val="tx1"/>
+          </a:fontRef>
+        </p:style>
+      </p:cxnSp>
+      <p:cxnSp>
+        <p:nvCxnSpPr>
+          <p:cNvPr id="119" name="Connecteur droit avec flèche 48">
+            <a:extLst>
+              <a:ext uri="{FF2B5EF4-FFF2-40B4-BE49-F238E27FC236}">
+                <a16:creationId xmlns:a16="http://schemas.microsoft.com/office/drawing/2014/main" id="{B22C942A-BA3F-4871-80EF-FC1E511AFF85}"/>
+              </a:ext>
+            </a:extLst>
+          </p:cNvPr>
+          <p:cNvCxnSpPr>
+            <a:cxnSpLocks/>
+          </p:cNvCxnSpPr>
+          <p:nvPr/>
+        </p:nvCxnSpPr>
+        <p:spPr>
+          <a:xfrm flipV="1">
+            <a:off x="219319" y="4983284"/>
+            <a:ext cx="2146161" cy="5451"/>
+          </a:xfrm>
+          <a:prstGeom prst="straightConnector1">
+            <a:avLst/>
+          </a:prstGeom>
+          <a:ln w="76200">
+            <a:solidFill>
+              <a:schemeClr val="accent1"/>
+            </a:solidFill>
+            <a:tailEnd type="triangle"/>
+          </a:ln>
+        </p:spPr>
+        <p:style>
+          <a:lnRef idx="2">
+            <a:schemeClr val="dk1">
+              <a:shade val="50000"/>
+            </a:schemeClr>
+          </a:lnRef>
+          <a:fillRef idx="1">
+            <a:schemeClr val="dk1"/>
+          </a:fillRef>
+          <a:effectRef idx="0">
+            <a:schemeClr val="dk1"/>
+          </a:effectRef>
+          <a:fontRef idx="minor">
+            <a:schemeClr val="lt1"/>
+          </a:fontRef>
+        </p:style>
+      </p:cxnSp>
+      <p:cxnSp>
+        <p:nvCxnSpPr>
+          <p:cNvPr id="122" name="Connecteur droit avec flèche 48">
+            <a:extLst>
+              <a:ext uri="{FF2B5EF4-FFF2-40B4-BE49-F238E27FC236}">
+                <a16:creationId xmlns:a16="http://schemas.microsoft.com/office/drawing/2014/main" id="{D7881649-8B8B-4043-A08E-C2BCB37D1729}"/>
+              </a:ext>
+            </a:extLst>
+          </p:cNvPr>
+          <p:cNvCxnSpPr>
+            <a:cxnSpLocks/>
+          </p:cNvCxnSpPr>
+          <p:nvPr/>
+        </p:nvCxnSpPr>
+        <p:spPr>
+          <a:xfrm flipV="1">
+            <a:off x="219319" y="4175442"/>
+            <a:ext cx="2146160" cy="22612"/>
+          </a:xfrm>
+          <a:prstGeom prst="straightConnector1">
+            <a:avLst/>
+          </a:prstGeom>
+          <a:ln w="76200">
+            <a:solidFill>
+              <a:schemeClr val="accent1"/>
+            </a:solidFill>
+            <a:tailEnd type="triangle"/>
+          </a:ln>
+        </p:spPr>
+        <p:style>
+          <a:lnRef idx="2">
+            <a:schemeClr val="dk1">
+              <a:shade val="50000"/>
+            </a:schemeClr>
+          </a:lnRef>
+          <a:fillRef idx="1">
+            <a:schemeClr val="dk1"/>
+          </a:fillRef>
+          <a:effectRef idx="0">
+            <a:schemeClr val="dk1"/>
+          </a:effectRef>
+          <a:fontRef idx="minor">
+            <a:schemeClr val="lt1"/>
+          </a:fontRef>
+        </p:style>
+      </p:cxnSp>
+      <p:cxnSp>
+        <p:nvCxnSpPr>
+          <p:cNvPr id="125" name="Connecteur droit avec flèche 48">
+            <a:extLst>
+              <a:ext uri="{FF2B5EF4-FFF2-40B4-BE49-F238E27FC236}">
+                <a16:creationId xmlns:a16="http://schemas.microsoft.com/office/drawing/2014/main" id="{77F8CDA3-D6F2-4359-B2B6-A572422C6A56}"/>
+              </a:ext>
+            </a:extLst>
+          </p:cNvPr>
+          <p:cNvCxnSpPr>
+            <a:cxnSpLocks/>
+          </p:cNvCxnSpPr>
+          <p:nvPr/>
+        </p:nvCxnSpPr>
+        <p:spPr>
+          <a:xfrm flipV="1">
+            <a:off x="207097" y="3392101"/>
+            <a:ext cx="2167309" cy="29189"/>
+          </a:xfrm>
+          <a:prstGeom prst="straightConnector1">
+            <a:avLst/>
+          </a:prstGeom>
+          <a:ln w="76200">
+            <a:solidFill>
+              <a:schemeClr val="accent1"/>
+            </a:solidFill>
+            <a:tailEnd type="triangle"/>
+          </a:ln>
+        </p:spPr>
+        <p:style>
+          <a:lnRef idx="2">
+            <a:schemeClr val="dk1">
+              <a:shade val="50000"/>
+            </a:schemeClr>
+          </a:lnRef>
+          <a:fillRef idx="1">
+            <a:schemeClr val="dk1"/>
+          </a:fillRef>
+          <a:effectRef idx="0">
+            <a:schemeClr val="dk1"/>
+          </a:effectRef>
+          <a:fontRef idx="minor">
+            <a:schemeClr val="lt1"/>
+          </a:fontRef>
+        </p:style>
+      </p:cxnSp>
+      <p:cxnSp>
+        <p:nvCxnSpPr>
+          <p:cNvPr id="132" name="Connecteur droit avec flèche 131">
+            <a:extLst>
+              <a:ext uri="{FF2B5EF4-FFF2-40B4-BE49-F238E27FC236}">
+                <a16:creationId xmlns:a16="http://schemas.microsoft.com/office/drawing/2014/main" id="{BC3FDCF2-9EC0-49A6-849F-4BABA9FB77EB}"/>
+              </a:ext>
+            </a:extLst>
+          </p:cNvPr>
+          <p:cNvCxnSpPr>
+            <a:stCxn id="48" idx="1"/>
+          </p:cNvCxnSpPr>
+          <p:nvPr/>
+        </p:nvCxnSpPr>
+        <p:spPr>
+          <a:xfrm rot="10800000">
+            <a:off x="800100" y="2482216"/>
+            <a:ext cx="1565382" cy="3992928"/>
+          </a:xfrm>
+          <a:prstGeom prst="bentConnector2">
+            <a:avLst/>
+          </a:prstGeom>
+          <a:ln w="76200">
+            <a:solidFill>
+              <a:schemeClr val="accent6"/>
+            </a:solidFill>
+            <a:tailEnd type="triangle"/>
+          </a:ln>
+        </p:spPr>
+        <p:style>
+          <a:lnRef idx="1">
+            <a:schemeClr val="accent1"/>
+          </a:lnRef>
+          <a:fillRef idx="0">
+            <a:schemeClr val="accent1"/>
+          </a:fillRef>
+          <a:effectRef idx="0">
+            <a:schemeClr val="accent1"/>
+          </a:effectRef>
+          <a:fontRef idx="minor">
+            <a:schemeClr val="tx1"/>
+          </a:fontRef>
+        </p:style>
+      </p:cxnSp>
+      <p:cxnSp>
+        <p:nvCxnSpPr>
+          <p:cNvPr id="134" name="Connecteur : en angle 133">
+            <a:extLst>
+              <a:ext uri="{FF2B5EF4-FFF2-40B4-BE49-F238E27FC236}">
+                <a16:creationId xmlns:a16="http://schemas.microsoft.com/office/drawing/2014/main" id="{EB7A74FF-11FC-4ACB-B6DF-4E9C46C81ACE}"/>
+              </a:ext>
+            </a:extLst>
+          </p:cNvPr>
+          <p:cNvCxnSpPr>
+            <a:stCxn id="7" idx="2"/>
+          </p:cNvCxnSpPr>
+          <p:nvPr/>
+        </p:nvCxnSpPr>
+        <p:spPr>
+          <a:xfrm rot="16200000" flipH="1">
+            <a:off x="-73968" y="3837527"/>
+            <a:ext cx="3794759" cy="1084135"/>
+          </a:xfrm>
+          <a:prstGeom prst="bentConnector3">
+            <a:avLst>
+              <a:gd name="adj1" fmla="val 100201"/>
+            </a:avLst>
+          </a:prstGeom>
+          <a:ln>
+            <a:tailEnd type="triangle"/>
+          </a:ln>
+        </p:spPr>
+        <p:style>
+          <a:lnRef idx="3">
+            <a:schemeClr val="accent1"/>
+          </a:lnRef>
+          <a:fillRef idx="0">
+            <a:schemeClr val="accent1"/>
+          </a:fillRef>
+          <a:effectRef idx="2">
+            <a:schemeClr val="accent1"/>
+          </a:effectRef>
+          <a:fontRef idx="minor">
+            <a:schemeClr val="tx1"/>
+          </a:fontRef>
+        </p:style>
+      </p:cxnSp>
+      <p:cxnSp>
+        <p:nvCxnSpPr>
+          <p:cNvPr id="136" name="Connecteur : en angle 135">
+            <a:extLst>
+              <a:ext uri="{FF2B5EF4-FFF2-40B4-BE49-F238E27FC236}">
+                <a16:creationId xmlns:a16="http://schemas.microsoft.com/office/drawing/2014/main" id="{9B2DA3CC-3F3C-4689-B4D1-670622FEF57B}"/>
+              </a:ext>
+            </a:extLst>
+          </p:cNvPr>
+          <p:cNvCxnSpPr>
+            <a:cxnSpLocks/>
+          </p:cNvCxnSpPr>
+          <p:nvPr/>
+        </p:nvCxnSpPr>
+        <p:spPr>
+          <a:xfrm rot="16200000" flipH="1">
+            <a:off x="893552" y="3181865"/>
+            <a:ext cx="2169795" cy="770492"/>
+          </a:xfrm>
+          <a:prstGeom prst="bentConnector3">
+            <a:avLst>
+              <a:gd name="adj1" fmla="val 100044"/>
+            </a:avLst>
+          </a:prstGeom>
+          <a:ln>
+            <a:tailEnd type="triangle"/>
+          </a:ln>
+        </p:spPr>
+        <p:style>
+          <a:lnRef idx="3">
+            <a:schemeClr val="accent1"/>
+          </a:lnRef>
+          <a:fillRef idx="0">
+            <a:schemeClr val="accent1"/>
+          </a:fillRef>
+          <a:effectRef idx="2">
+            <a:schemeClr val="accent1"/>
+          </a:effectRef>
+          <a:fontRef idx="minor">
+            <a:schemeClr val="tx1"/>
+          </a:fontRef>
+        </p:style>
+      </p:cxnSp>
+      <p:cxnSp>
+        <p:nvCxnSpPr>
+          <p:cNvPr id="143" name="Connecteur : en angle 142">
+            <a:extLst>
+              <a:ext uri="{FF2B5EF4-FFF2-40B4-BE49-F238E27FC236}">
+                <a16:creationId xmlns:a16="http://schemas.microsoft.com/office/drawing/2014/main" id="{0F088BE6-E148-4B4E-B1E4-DBF6FDFFD021}"/>
+              </a:ext>
+            </a:extLst>
+          </p:cNvPr>
+          <p:cNvCxnSpPr>
+            <a:cxnSpLocks/>
+          </p:cNvCxnSpPr>
+          <p:nvPr/>
+        </p:nvCxnSpPr>
+        <p:spPr>
+          <a:xfrm rot="16200000" flipH="1">
+            <a:off x="1371990" y="2864643"/>
+            <a:ext cx="1396567" cy="589396"/>
+          </a:xfrm>
+          <a:prstGeom prst="bentConnector3">
+            <a:avLst>
+              <a:gd name="adj1" fmla="val 100470"/>
+            </a:avLst>
+          </a:prstGeom>
+          <a:ln>
+            <a:tailEnd type="triangle"/>
+          </a:ln>
+        </p:spPr>
+        <p:style>
+          <a:lnRef idx="3">
+            <a:schemeClr val="accent1"/>
+          </a:lnRef>
+          <a:fillRef idx="0">
+            <a:schemeClr val="accent1"/>
+          </a:fillRef>
+          <a:effectRef idx="2">
+            <a:schemeClr val="accent1"/>
+          </a:effectRef>
+          <a:fontRef idx="minor">
+            <a:schemeClr val="tx1"/>
+          </a:fontRef>
+        </p:style>
+      </p:cxnSp>
+      <p:cxnSp>
+        <p:nvCxnSpPr>
+          <p:cNvPr id="145" name="Connecteur : en angle 144">
+            <a:extLst>
+              <a:ext uri="{FF2B5EF4-FFF2-40B4-BE49-F238E27FC236}">
+                <a16:creationId xmlns:a16="http://schemas.microsoft.com/office/drawing/2014/main" id="{E5EA8C18-BB40-49C0-A52D-B0637B276DD1}"/>
+              </a:ext>
+            </a:extLst>
+          </p:cNvPr>
+          <p:cNvCxnSpPr>
+            <a:cxnSpLocks/>
+          </p:cNvCxnSpPr>
+          <p:nvPr/>
+        </p:nvCxnSpPr>
+        <p:spPr>
+          <a:xfrm rot="16200000" flipH="1">
+            <a:off x="1892704" y="2504319"/>
+            <a:ext cx="494880" cy="450670"/>
+          </a:xfrm>
+          <a:prstGeom prst="bentConnector3">
+            <a:avLst>
+              <a:gd name="adj1" fmla="val 100042"/>
+            </a:avLst>
+          </a:prstGeom>
+          <a:ln>
+            <a:tailEnd type="triangle"/>
+          </a:ln>
+        </p:spPr>
+        <p:style>
+          <a:lnRef idx="3">
+            <a:schemeClr val="accent1"/>
+          </a:lnRef>
+          <a:fillRef idx="0">
+            <a:schemeClr val="accent1"/>
+          </a:fillRef>
+          <a:effectRef idx="2">
+            <a:schemeClr val="accent1"/>
+          </a:effectRef>
+          <a:fontRef idx="minor">
+            <a:schemeClr val="tx1"/>
+          </a:fontRef>
+        </p:style>
+      </p:cxnSp>
+      <p:cxnSp>
+        <p:nvCxnSpPr>
+          <p:cNvPr id="159" name="Connecteur : en angle 158">
+            <a:extLst>
+              <a:ext uri="{FF2B5EF4-FFF2-40B4-BE49-F238E27FC236}">
+                <a16:creationId xmlns:a16="http://schemas.microsoft.com/office/drawing/2014/main" id="{3C474CB7-571F-4C8B-9F59-383D1CE971EC}"/>
+              </a:ext>
+            </a:extLst>
+          </p:cNvPr>
+          <p:cNvCxnSpPr>
+            <a:cxnSpLocks/>
+          </p:cNvCxnSpPr>
+          <p:nvPr/>
+        </p:nvCxnSpPr>
+        <p:spPr>
+          <a:xfrm rot="16200000" flipH="1">
+            <a:off x="404173" y="3478389"/>
+            <a:ext cx="3004515" cy="953797"/>
+          </a:xfrm>
+          <a:prstGeom prst="bentConnector3">
+            <a:avLst>
+              <a:gd name="adj1" fmla="val 100090"/>
+            </a:avLst>
+          </a:prstGeom>
+          <a:ln>
+            <a:tailEnd type="triangle"/>
+          </a:ln>
+        </p:spPr>
+        <p:style>
+          <a:lnRef idx="3">
+            <a:schemeClr val="accent1"/>
+          </a:lnRef>
+          <a:fillRef idx="0">
+            <a:schemeClr val="accent1"/>
+          </a:fillRef>
+          <a:effectRef idx="2">
+            <a:schemeClr val="accent1"/>
+          </a:effectRef>
+          <a:fontRef idx="minor">
+            <a:schemeClr val="tx1"/>
+          </a:fontRef>
+        </p:style>
+      </p:cxnSp>
+      <p:cxnSp>
+        <p:nvCxnSpPr>
+          <p:cNvPr id="167" name="Connecteur droit avec flèche 131">
+            <a:extLst>
+              <a:ext uri="{FF2B5EF4-FFF2-40B4-BE49-F238E27FC236}">
+                <a16:creationId xmlns:a16="http://schemas.microsoft.com/office/drawing/2014/main" id="{FB57FEE0-FD55-4B5A-8A70-71457C581AC4}"/>
+              </a:ext>
+            </a:extLst>
+          </p:cNvPr>
+          <p:cNvCxnSpPr>
+            <a:cxnSpLocks/>
+          </p:cNvCxnSpPr>
+          <p:nvPr/>
+        </p:nvCxnSpPr>
+        <p:spPr>
+          <a:xfrm flipV="1">
+            <a:off x="3974128" y="5647083"/>
+            <a:ext cx="6636722" cy="696567"/>
+          </a:xfrm>
+          <a:prstGeom prst="bentConnector3">
+            <a:avLst>
+              <a:gd name="adj1" fmla="val 100088"/>
+            </a:avLst>
+          </a:prstGeom>
+          <a:ln w="76200">
+            <a:solidFill>
+              <a:schemeClr val="accent6"/>
+            </a:solidFill>
+            <a:tailEnd type="triangle"/>
+          </a:ln>
+        </p:spPr>
+        <p:style>
+          <a:lnRef idx="1">
+            <a:schemeClr val="accent1"/>
+          </a:lnRef>
+          <a:fillRef idx="0">
+            <a:schemeClr val="accent1"/>
+          </a:fillRef>
+          <a:effectRef idx="0">
+            <a:schemeClr val="accent1"/>
+          </a:effectRef>
+          <a:fontRef idx="minor">
+            <a:schemeClr val="tx1"/>
+          </a:fontRef>
+        </p:style>
+      </p:cxnSp>
+      <p:cxnSp>
+        <p:nvCxnSpPr>
+          <p:cNvPr id="174" name="Connecteur droit avec flèche 48">
+            <a:extLst>
+              <a:ext uri="{FF2B5EF4-FFF2-40B4-BE49-F238E27FC236}">
+                <a16:creationId xmlns:a16="http://schemas.microsoft.com/office/drawing/2014/main" id="{8B614D6F-0303-4AB1-BD12-13E217FFF871}"/>
+              </a:ext>
+            </a:extLst>
+          </p:cNvPr>
+          <p:cNvCxnSpPr>
+            <a:cxnSpLocks/>
+          </p:cNvCxnSpPr>
+          <p:nvPr/>
+        </p:nvCxnSpPr>
+        <p:spPr>
+          <a:xfrm>
+            <a:off x="2022630" y="2276652"/>
+            <a:ext cx="7235300" cy="7391"/>
+          </a:xfrm>
+          <a:prstGeom prst="straightConnector1">
+            <a:avLst/>
+          </a:prstGeom>
+          <a:ln w="76200">
+            <a:solidFill>
+              <a:schemeClr val="accent1"/>
+            </a:solidFill>
+            <a:tailEnd type="triangle"/>
+          </a:ln>
+        </p:spPr>
+        <p:style>
+          <a:lnRef idx="2">
+            <a:schemeClr val="dk1">
+              <a:shade val="50000"/>
+            </a:schemeClr>
+          </a:lnRef>
+          <a:fillRef idx="1">
+            <a:schemeClr val="dk1"/>
+          </a:fillRef>
+          <a:effectRef idx="0">
+            <a:schemeClr val="dk1"/>
+          </a:effectRef>
+          <a:fontRef idx="minor">
+            <a:schemeClr val="lt1"/>
+          </a:fontRef>
+        </p:style>
+      </p:cxnSp>
+      <p:cxnSp>
+        <p:nvCxnSpPr>
+          <p:cNvPr id="41" name="Connecteur droit avec flèche 40">
+            <a:extLst>
+              <a:ext uri="{FF2B5EF4-FFF2-40B4-BE49-F238E27FC236}">
+                <a16:creationId xmlns:a16="http://schemas.microsoft.com/office/drawing/2014/main" id="{D530E8B6-E953-4992-A71C-3F96A8829590}"/>
+              </a:ext>
+            </a:extLst>
+          </p:cNvPr>
+          <p:cNvCxnSpPr>
+            <a:cxnSpLocks/>
+            <a:stCxn id="10" idx="2"/>
+          </p:cNvCxnSpPr>
+          <p:nvPr/>
+        </p:nvCxnSpPr>
+        <p:spPr>
+          <a:xfrm>
+            <a:off x="10367840" y="459015"/>
+            <a:ext cx="749" cy="1249086"/>
+          </a:xfrm>
+          <a:prstGeom prst="straightConnector1">
+            <a:avLst/>
+          </a:prstGeom>
+          <a:ln w="76200">
+            <a:tailEnd type="triangle"/>
+          </a:ln>
+        </p:spPr>
+        <p:style>
+          <a:lnRef idx="2">
+            <a:schemeClr val="dk1">
+              <a:shade val="50000"/>
+            </a:schemeClr>
+          </a:lnRef>
+          <a:fillRef idx="1">
+            <a:schemeClr val="dk1"/>
+          </a:fillRef>
+          <a:effectRef idx="0">
+            <a:schemeClr val="dk1"/>
+          </a:effectRef>
+          <a:fontRef idx="minor">
+            <a:schemeClr val="lt1"/>
+          </a:fontRef>
+        </p:style>
+      </p:cxnSp>
+      <p:sp>
+        <p:nvSpPr>
+          <p:cNvPr id="10" name="ZoneTexte 9">
+            <a:extLst>
+              <a:ext uri="{FF2B5EF4-FFF2-40B4-BE49-F238E27FC236}">
+                <a16:creationId xmlns:a16="http://schemas.microsoft.com/office/drawing/2014/main" id="{7C712F31-959C-4EBE-95D4-F4EA68B95B69}"/>
+              </a:ext>
+            </a:extLst>
+          </p:cNvPr>
+          <p:cNvSpPr txBox="1"/>
+          <p:nvPr/>
+        </p:nvSpPr>
+        <p:spPr>
+          <a:xfrm>
+            <a:off x="9995178" y="89683"/>
+            <a:ext cx="745323" cy="369332"/>
+          </a:xfrm>
+          <a:prstGeom prst="rect">
+            <a:avLst/>
+          </a:prstGeom>
+          <a:noFill/>
+        </p:spPr>
+        <p:txBody>
+          <a:bodyPr wrap="square" rtlCol="0">
+            <a:spAutoFit/>
+          </a:bodyPr>
+          <a:lstStyle/>
+          <a:p>
+            <a:pPr algn="ctr"/>
+            <a:r>
+              <a:rPr lang="fr-FR" dirty="0"/>
+              <a:t>start</a:t>
+            </a:r>
+            <a:endParaRPr lang="fr-BE" dirty="0"/>
+          </a:p>
+        </p:txBody>
+      </p:sp>
+      <p:cxnSp>
+        <p:nvCxnSpPr>
+          <p:cNvPr id="51" name="Connecteur droit avec flèche 50">
+            <a:extLst>
+              <a:ext uri="{FF2B5EF4-FFF2-40B4-BE49-F238E27FC236}">
+                <a16:creationId xmlns:a16="http://schemas.microsoft.com/office/drawing/2014/main" id="{F88FAB18-02FB-4874-9BBE-7B0F70EF1C57}"/>
+              </a:ext>
+            </a:extLst>
+          </p:cNvPr>
+          <p:cNvCxnSpPr>
+            <a:cxnSpLocks/>
+          </p:cNvCxnSpPr>
+          <p:nvPr/>
+        </p:nvCxnSpPr>
+        <p:spPr>
+          <a:xfrm flipV="1">
+            <a:off x="9543495" y="459015"/>
+            <a:ext cx="0" cy="1249086"/>
+          </a:xfrm>
+          <a:prstGeom prst="straightConnector1">
+            <a:avLst/>
+          </a:prstGeom>
+          <a:ln w="76200">
+            <a:tailEnd type="triangle"/>
+          </a:ln>
+        </p:spPr>
+        <p:style>
+          <a:lnRef idx="2">
+            <a:schemeClr val="dk1">
+              <a:shade val="50000"/>
+            </a:schemeClr>
+          </a:lnRef>
+          <a:fillRef idx="1">
+            <a:schemeClr val="dk1"/>
+          </a:fillRef>
+          <a:effectRef idx="0">
+            <a:schemeClr val="dk1"/>
+          </a:effectRef>
+          <a:fontRef idx="minor">
+            <a:schemeClr val="lt1"/>
+          </a:fontRef>
+        </p:style>
+      </p:cxnSp>
+      <p:sp>
+        <p:nvSpPr>
+          <p:cNvPr id="23" name="ZoneTexte 22">
+            <a:extLst>
+              <a:ext uri="{FF2B5EF4-FFF2-40B4-BE49-F238E27FC236}">
+                <a16:creationId xmlns:a16="http://schemas.microsoft.com/office/drawing/2014/main" id="{A683203E-94FD-4EFC-90D0-9E4E055C2E73}"/>
+              </a:ext>
+            </a:extLst>
+          </p:cNvPr>
+          <p:cNvSpPr txBox="1"/>
+          <p:nvPr/>
+        </p:nvSpPr>
+        <p:spPr>
+          <a:xfrm>
+            <a:off x="9166210" y="145018"/>
+            <a:ext cx="745323" cy="369332"/>
+          </a:xfrm>
+          <a:prstGeom prst="rect">
+            <a:avLst/>
+          </a:prstGeom>
+          <a:noFill/>
+        </p:spPr>
+        <p:txBody>
+          <a:bodyPr wrap="square" rtlCol="0">
+            <a:spAutoFit/>
+          </a:bodyPr>
+          <a:lstStyle/>
+          <a:p>
+            <a:pPr algn="ctr"/>
+            <a:r>
+              <a:rPr lang="fr-FR" dirty="0"/>
+              <a:t>finish</a:t>
+            </a:r>
+            <a:endParaRPr lang="fr-BE" dirty="0"/>
+          </a:p>
+        </p:txBody>
+      </p:sp>
     </p:spTree>
     <p:extLst>
       <p:ext uri="{BB962C8B-B14F-4D97-AF65-F5344CB8AC3E}">

--- a/Image/overal_archi.pptx
+++ b/Image/overal_archi.pptx
@@ -259,7 +259,7 @@
           <a:p>
             <a:fld id="{FF429A6C-D193-433F-8694-BE30544A7076}" type="datetimeFigureOut">
               <a:rPr lang="fr-FR" smtClean="0"/>
-              <a:t>10/08/2020</a:t>
+              <a:t>15/08/2020</a:t>
             </a:fld>
             <a:endParaRPr lang="fr-FR"/>
           </a:p>
@@ -457,7 +457,7 @@
           <a:p>
             <a:fld id="{FF429A6C-D193-433F-8694-BE30544A7076}" type="datetimeFigureOut">
               <a:rPr lang="fr-FR" smtClean="0"/>
-              <a:t>10/08/2020</a:t>
+              <a:t>15/08/2020</a:t>
             </a:fld>
             <a:endParaRPr lang="fr-FR"/>
           </a:p>
@@ -665,7 +665,7 @@
           <a:p>
             <a:fld id="{FF429A6C-D193-433F-8694-BE30544A7076}" type="datetimeFigureOut">
               <a:rPr lang="fr-FR" smtClean="0"/>
-              <a:t>10/08/2020</a:t>
+              <a:t>15/08/2020</a:t>
             </a:fld>
             <a:endParaRPr lang="fr-FR"/>
           </a:p>
@@ -863,7 +863,7 @@
           <a:p>
             <a:fld id="{FF429A6C-D193-433F-8694-BE30544A7076}" type="datetimeFigureOut">
               <a:rPr lang="fr-FR" smtClean="0"/>
-              <a:t>10/08/2020</a:t>
+              <a:t>15/08/2020</a:t>
             </a:fld>
             <a:endParaRPr lang="fr-FR"/>
           </a:p>
@@ -1138,7 +1138,7 @@
           <a:p>
             <a:fld id="{FF429A6C-D193-433F-8694-BE30544A7076}" type="datetimeFigureOut">
               <a:rPr lang="fr-FR" smtClean="0"/>
-              <a:t>10/08/2020</a:t>
+              <a:t>15/08/2020</a:t>
             </a:fld>
             <a:endParaRPr lang="fr-FR"/>
           </a:p>
@@ -1403,7 +1403,7 @@
           <a:p>
             <a:fld id="{FF429A6C-D193-433F-8694-BE30544A7076}" type="datetimeFigureOut">
               <a:rPr lang="fr-FR" smtClean="0"/>
-              <a:t>10/08/2020</a:t>
+              <a:t>15/08/2020</a:t>
             </a:fld>
             <a:endParaRPr lang="fr-FR"/>
           </a:p>
@@ -1815,7 +1815,7 @@
           <a:p>
             <a:fld id="{FF429A6C-D193-433F-8694-BE30544A7076}" type="datetimeFigureOut">
               <a:rPr lang="fr-FR" smtClean="0"/>
-              <a:t>10/08/2020</a:t>
+              <a:t>15/08/2020</a:t>
             </a:fld>
             <a:endParaRPr lang="fr-FR"/>
           </a:p>
@@ -1956,7 +1956,7 @@
           <a:p>
             <a:fld id="{FF429A6C-D193-433F-8694-BE30544A7076}" type="datetimeFigureOut">
               <a:rPr lang="fr-FR" smtClean="0"/>
-              <a:t>10/08/2020</a:t>
+              <a:t>15/08/2020</a:t>
             </a:fld>
             <a:endParaRPr lang="fr-FR"/>
           </a:p>
@@ -2069,7 +2069,7 @@
           <a:p>
             <a:fld id="{FF429A6C-D193-433F-8694-BE30544A7076}" type="datetimeFigureOut">
               <a:rPr lang="fr-FR" smtClean="0"/>
-              <a:t>10/08/2020</a:t>
+              <a:t>15/08/2020</a:t>
             </a:fld>
             <a:endParaRPr lang="fr-FR"/>
           </a:p>
@@ -2380,7 +2380,7 @@
           <a:p>
             <a:fld id="{FF429A6C-D193-433F-8694-BE30544A7076}" type="datetimeFigureOut">
               <a:rPr lang="fr-FR" smtClean="0"/>
-              <a:t>10/08/2020</a:t>
+              <a:t>15/08/2020</a:t>
             </a:fld>
             <a:endParaRPr lang="fr-FR"/>
           </a:p>
@@ -2668,7 +2668,7 @@
           <a:p>
             <a:fld id="{FF429A6C-D193-433F-8694-BE30544A7076}" type="datetimeFigureOut">
               <a:rPr lang="fr-FR" smtClean="0"/>
-              <a:t>10/08/2020</a:t>
+              <a:t>15/08/2020</a:t>
             </a:fld>
             <a:endParaRPr lang="fr-FR"/>
           </a:p>
@@ -2909,7 +2909,7 @@
           <a:p>
             <a:fld id="{FF429A6C-D193-433F-8694-BE30544A7076}" type="datetimeFigureOut">
               <a:rPr lang="fr-FR" smtClean="0"/>
-              <a:t>10/08/2020</a:t>
+              <a:t>15/08/2020</a:t>
             </a:fld>
             <a:endParaRPr lang="fr-FR"/>
           </a:p>
@@ -3542,7 +3542,7 @@
         </p:nvSpPr>
         <p:spPr>
           <a:xfrm>
-            <a:off x="9257930" y="1700981"/>
+            <a:off x="7784239" y="1700981"/>
             <a:ext cx="1482571" cy="781235"/>
           </a:xfrm>
           <a:prstGeom prst="rect">
@@ -3598,8 +3598,8 @@
         </p:nvCxnSpPr>
         <p:spPr>
           <a:xfrm flipH="1">
-            <a:off x="2022629" y="1910624"/>
-            <a:ext cx="7235301" cy="0"/>
+            <a:off x="2022630" y="1910624"/>
+            <a:ext cx="5761609" cy="0"/>
           </a:xfrm>
           <a:prstGeom prst="straightConnector1">
             <a:avLst/>
@@ -3901,8 +3901,8 @@
         </p:nvCxnSpPr>
         <p:spPr>
           <a:xfrm rot="5400000">
-            <a:off x="7773594" y="1023604"/>
-            <a:ext cx="767010" cy="3684234"/>
+            <a:off x="7036749" y="1760450"/>
+            <a:ext cx="767010" cy="2210543"/>
           </a:xfrm>
           <a:prstGeom prst="bentConnector3">
             <a:avLst>
@@ -3948,8 +3948,8 @@
         </p:nvCxnSpPr>
         <p:spPr>
           <a:xfrm>
-            <a:off x="10740501" y="2091599"/>
-            <a:ext cx="281531" cy="2537425"/>
+            <a:off x="9266810" y="2091599"/>
+            <a:ext cx="1755222" cy="2537425"/>
           </a:xfrm>
           <a:prstGeom prst="bentConnector2">
             <a:avLst/>
@@ -5243,7 +5243,7 @@
         <p:spPr>
           <a:xfrm>
             <a:off x="2022630" y="2276652"/>
-            <a:ext cx="7235300" cy="7391"/>
+            <a:ext cx="5761609" cy="0"/>
           </a:xfrm>
           <a:prstGeom prst="straightConnector1">
             <a:avLst/>
@@ -5289,7 +5289,7 @@
         </p:nvCxnSpPr>
         <p:spPr>
           <a:xfrm>
-            <a:off x="10367840" y="459015"/>
+            <a:off x="8894149" y="459015"/>
             <a:ext cx="749" cy="1249086"/>
           </a:xfrm>
           <a:prstGeom prst="straightConnector1">
@@ -5330,7 +5330,7 @@
         </p:nvSpPr>
         <p:spPr>
           <a:xfrm>
-            <a:off x="9995178" y="89683"/>
+            <a:off x="8521487" y="89683"/>
             <a:ext cx="745323" cy="369332"/>
           </a:xfrm>
           <a:prstGeom prst="rect">
@@ -5369,7 +5369,7 @@
         </p:nvCxnSpPr>
         <p:spPr>
           <a:xfrm flipV="1">
-            <a:off x="9543495" y="459015"/>
+            <a:off x="8069804" y="459015"/>
             <a:ext cx="0" cy="1249086"/>
           </a:xfrm>
           <a:prstGeom prst="straightConnector1">
@@ -5410,7 +5410,7 @@
         </p:nvSpPr>
         <p:spPr>
           <a:xfrm>
-            <a:off x="9166210" y="145018"/>
+            <a:off x="7708240" y="83808"/>
             <a:ext cx="745323" cy="369332"/>
           </a:xfrm>
           <a:prstGeom prst="rect">
@@ -5430,6 +5430,234 @@
               <a:t>finish</a:t>
             </a:r>
             <a:endParaRPr lang="fr-BE" dirty="0"/>
+          </a:p>
+        </p:txBody>
+      </p:sp>
+      <p:cxnSp>
+        <p:nvCxnSpPr>
+          <p:cNvPr id="12" name="Connecteur droit avec flèche 11">
+            <a:extLst>
+              <a:ext uri="{FF2B5EF4-FFF2-40B4-BE49-F238E27FC236}">
+                <a16:creationId xmlns:a16="http://schemas.microsoft.com/office/drawing/2014/main" id="{3A3DF1E7-5115-4CFE-A056-1C11326B473B}"/>
+              </a:ext>
+            </a:extLst>
+          </p:cNvPr>
+          <p:cNvCxnSpPr/>
+          <p:nvPr/>
+        </p:nvCxnSpPr>
+        <p:spPr>
+          <a:xfrm>
+            <a:off x="10120544" y="453140"/>
+            <a:ext cx="0" cy="842260"/>
+          </a:xfrm>
+          <a:prstGeom prst="straightConnector1">
+            <a:avLst/>
+          </a:prstGeom>
+          <a:ln w="38100">
+            <a:solidFill>
+              <a:schemeClr val="accent2"/>
+            </a:solidFill>
+            <a:tailEnd type="triangle"/>
+          </a:ln>
+        </p:spPr>
+        <p:style>
+          <a:lnRef idx="1">
+            <a:schemeClr val="accent1"/>
+          </a:lnRef>
+          <a:fillRef idx="0">
+            <a:schemeClr val="accent1"/>
+          </a:fillRef>
+          <a:effectRef idx="0">
+            <a:schemeClr val="accent1"/>
+          </a:effectRef>
+          <a:fontRef idx="minor">
+            <a:schemeClr val="tx1"/>
+          </a:fontRef>
+        </p:style>
+      </p:cxnSp>
+      <p:sp>
+        <p:nvSpPr>
+          <p:cNvPr id="16" name="ZoneTexte 15">
+            <a:extLst>
+              <a:ext uri="{FF2B5EF4-FFF2-40B4-BE49-F238E27FC236}">
+                <a16:creationId xmlns:a16="http://schemas.microsoft.com/office/drawing/2014/main" id="{A4B18C79-EA09-4F85-9BB8-2E96AEF12FCE}"/>
+              </a:ext>
+            </a:extLst>
+          </p:cNvPr>
+          <p:cNvSpPr txBox="1"/>
+          <p:nvPr/>
+        </p:nvSpPr>
+        <p:spPr>
+          <a:xfrm>
+            <a:off x="9747882" y="83808"/>
+            <a:ext cx="745323" cy="369332"/>
+          </a:xfrm>
+          <a:prstGeom prst="rect">
+            <a:avLst/>
+          </a:prstGeom>
+          <a:noFill/>
+        </p:spPr>
+        <p:txBody>
+          <a:bodyPr wrap="square" rtlCol="0">
+            <a:spAutoFit/>
+          </a:bodyPr>
+          <a:lstStyle/>
+          <a:p>
+            <a:pPr algn="ctr"/>
+            <a:r>
+              <a:rPr lang="fr-FR" dirty="0" err="1">
+                <a:solidFill>
+                  <a:schemeClr val="accent2"/>
+                </a:solidFill>
+              </a:rPr>
+              <a:t>rst</a:t>
+            </a:r>
+            <a:endParaRPr lang="fr-BE" dirty="0">
+              <a:solidFill>
+                <a:schemeClr val="accent2"/>
+              </a:solidFill>
+            </a:endParaRPr>
+          </a:p>
+        </p:txBody>
+      </p:sp>
+      <p:cxnSp>
+        <p:nvCxnSpPr>
+          <p:cNvPr id="52" name="Connecteur droit avec flèche 51">
+            <a:extLst>
+              <a:ext uri="{FF2B5EF4-FFF2-40B4-BE49-F238E27FC236}">
+                <a16:creationId xmlns:a16="http://schemas.microsoft.com/office/drawing/2014/main" id="{730355AC-33E8-4E05-98A2-16C62952A9E9}"/>
+              </a:ext>
+            </a:extLst>
+          </p:cNvPr>
+          <p:cNvCxnSpPr/>
+          <p:nvPr/>
+        </p:nvCxnSpPr>
+        <p:spPr>
+          <a:xfrm>
+            <a:off x="10865867" y="451353"/>
+            <a:ext cx="0" cy="842260"/>
+          </a:xfrm>
+          <a:prstGeom prst="straightConnector1">
+            <a:avLst/>
+          </a:prstGeom>
+          <a:ln w="38100">
+            <a:solidFill>
+              <a:schemeClr val="accent2"/>
+            </a:solidFill>
+            <a:tailEnd type="triangle"/>
+          </a:ln>
+        </p:spPr>
+        <p:style>
+          <a:lnRef idx="1">
+            <a:schemeClr val="accent1"/>
+          </a:lnRef>
+          <a:fillRef idx="0">
+            <a:schemeClr val="accent1"/>
+          </a:fillRef>
+          <a:effectRef idx="0">
+            <a:schemeClr val="accent1"/>
+          </a:effectRef>
+          <a:fontRef idx="minor">
+            <a:schemeClr val="tx1"/>
+          </a:fontRef>
+        </p:style>
+      </p:cxnSp>
+      <p:sp>
+        <p:nvSpPr>
+          <p:cNvPr id="53" name="ZoneTexte 52">
+            <a:extLst>
+              <a:ext uri="{FF2B5EF4-FFF2-40B4-BE49-F238E27FC236}">
+                <a16:creationId xmlns:a16="http://schemas.microsoft.com/office/drawing/2014/main" id="{B234FE5D-2267-4D3F-87F9-A199F1AA96B7}"/>
+              </a:ext>
+            </a:extLst>
+          </p:cNvPr>
+          <p:cNvSpPr txBox="1"/>
+          <p:nvPr/>
+        </p:nvSpPr>
+        <p:spPr>
+          <a:xfrm>
+            <a:off x="10493205" y="82021"/>
+            <a:ext cx="745323" cy="369332"/>
+          </a:xfrm>
+          <a:prstGeom prst="rect">
+            <a:avLst/>
+          </a:prstGeom>
+          <a:noFill/>
+        </p:spPr>
+        <p:txBody>
+          <a:bodyPr wrap="square" rtlCol="0">
+            <a:spAutoFit/>
+          </a:bodyPr>
+          <a:lstStyle/>
+          <a:p>
+            <a:pPr algn="ctr"/>
+            <a:r>
+              <a:rPr lang="fr-FR" dirty="0" err="1">
+                <a:solidFill>
+                  <a:schemeClr val="accent2"/>
+                </a:solidFill>
+              </a:rPr>
+              <a:t>clk</a:t>
+            </a:r>
+            <a:endParaRPr lang="fr-BE" dirty="0">
+              <a:solidFill>
+                <a:schemeClr val="accent2"/>
+              </a:solidFill>
+            </a:endParaRPr>
+          </a:p>
+        </p:txBody>
+      </p:sp>
+      <p:sp>
+        <p:nvSpPr>
+          <p:cNvPr id="17" name="Triangle isocèle 16">
+            <a:extLst>
+              <a:ext uri="{FF2B5EF4-FFF2-40B4-BE49-F238E27FC236}">
+                <a16:creationId xmlns:a16="http://schemas.microsoft.com/office/drawing/2014/main" id="{9D23A644-8F99-4E35-97AA-EA19C6008B7D}"/>
+              </a:ext>
+            </a:extLst>
+          </p:cNvPr>
+          <p:cNvSpPr/>
+          <p:nvPr/>
+        </p:nvSpPr>
+        <p:spPr>
+          <a:xfrm rot="10800000">
+            <a:off x="10696641" y="1294476"/>
+            <a:ext cx="338450" cy="361429"/>
+          </a:xfrm>
+          <a:prstGeom prst="triangle">
+            <a:avLst/>
+          </a:prstGeom>
+          <a:noFill/>
+          <a:ln w="28575" cap="flat" cmpd="sng" algn="ctr">
+            <a:solidFill>
+              <a:schemeClr val="accent2"/>
+            </a:solidFill>
+            <a:prstDash val="solid"/>
+            <a:round/>
+            <a:headEnd type="none" w="med" len="med"/>
+            <a:tailEnd type="none" w="med" len="med"/>
+          </a:ln>
+        </p:spPr>
+        <p:style>
+          <a:lnRef idx="0">
+            <a:scrgbClr r="0" g="0" b="0"/>
+          </a:lnRef>
+          <a:fillRef idx="0">
+            <a:scrgbClr r="0" g="0" b="0"/>
+          </a:fillRef>
+          <a:effectRef idx="0">
+            <a:scrgbClr r="0" g="0" b="0"/>
+          </a:effectRef>
+          <a:fontRef idx="minor">
+            <a:schemeClr val="accent2"/>
+          </a:fontRef>
+        </p:style>
+        <p:txBody>
+          <a:bodyPr rtlCol="0" anchor="ctr"/>
+          <a:lstStyle/>
+          <a:p>
+            <a:pPr algn="ctr"/>
+            <a:endParaRPr lang="fr-BE"/>
           </a:p>
         </p:txBody>
       </p:sp>
